--- a/Python/Python 기초 강의 3주차.pptx
+++ b/Python/Python 기초 강의 3주차.pptx
@@ -25,15 +25,12 @@
   <p:notesSz cx="6858000" cy="9144000"/>
   <p:embeddedFontLst>
     <p:embeddedFont>
-      <p:font typeface="나눔바른고딕 Light" panose="020B0603020101020101" pitchFamily="50" charset="-127"/>
+      <p:font typeface="맑은 고딕" panose="020B0503020000020004" pitchFamily="50" charset="-127"/>
       <p:regular r:id="rId15"/>
+      <p:bold r:id="rId16"/>
     </p:embeddedFont>
     <p:embeddedFont>
       <p:font typeface="나눔스퀘어" panose="020B0600000101010101" pitchFamily="50" charset="-127"/>
-      <p:regular r:id="rId16"/>
-    </p:embeddedFont>
-    <p:embeddedFont>
-      <p:font typeface="나눔스퀘어 Light" panose="020B0600000101010101" pitchFamily="50" charset="-127"/>
       <p:regular r:id="rId17"/>
     </p:embeddedFont>
     <p:embeddedFont>
@@ -44,24 +41,27 @@
       <p:boldItalic r:id="rId21"/>
     </p:embeddedFont>
     <p:embeddedFont>
-      <p:font typeface="Times" panose="02020603050405020304" pitchFamily="18" charset="0"/>
+      <p:font typeface="나눔스퀘어 Light" panose="020B0600000101010101" pitchFamily="50" charset="-127"/>
       <p:regular r:id="rId22"/>
-      <p:bold r:id="rId23"/>
-      <p:italic r:id="rId24"/>
-      <p:boldItalic r:id="rId25"/>
     </p:embeddedFont>
     <p:embeddedFont>
       <p:font typeface="HY궁서B" panose="02030600000101010101" pitchFamily="18" charset="-127"/>
-      <p:regular r:id="rId26"/>
+      <p:regular r:id="rId23"/>
+    </p:embeddedFont>
+    <p:embeddedFont>
+      <p:font typeface="나눔바른고딕 Light" panose="020B0603020101020101" pitchFamily="50" charset="-127"/>
+      <p:regular r:id="rId24"/>
     </p:embeddedFont>
     <p:embeddedFont>
       <p:font typeface="나눔스퀘어 Bold" panose="020B0600000101010101" pitchFamily="50" charset="-127"/>
-      <p:bold r:id="rId27"/>
+      <p:bold r:id="rId25"/>
     </p:embeddedFont>
     <p:embeddedFont>
-      <p:font typeface="맑은 고딕" panose="020B0503020000020004" pitchFamily="50" charset="-127"/>
-      <p:regular r:id="rId28"/>
-      <p:bold r:id="rId29"/>
+      <p:font typeface="Times" panose="02020603050405020304" pitchFamily="18" charset="0"/>
+      <p:regular r:id="rId26"/>
+      <p:bold r:id="rId27"/>
+      <p:italic r:id="rId28"/>
+      <p:boldItalic r:id="rId29"/>
     </p:embeddedFont>
   </p:embeddedFontLst>
   <p:defaultTextStyle>
@@ -253,7 +253,7 @@
           <a:p>
             <a:fld id="{BBD821DC-8A94-4D3F-A979-C6814F748D6E}" type="datetimeFigureOut">
               <a:rPr lang="ko-KR" altLang="en-US" smtClean="0"/>
-              <a:t>2018-04-09</a:t>
+              <a:t>2018-04-12</a:t>
             </a:fld>
             <a:endParaRPr lang="ko-KR" altLang="en-US"/>
           </a:p>
@@ -1369,7 +1369,7 @@
           <a:p>
             <a:fld id="{0C4D08D9-1D05-448C-A794-E4F42D1269C7}" type="datetimeFigureOut">
               <a:rPr lang="ko-KR" altLang="en-US" smtClean="0"/>
-              <a:t>2018-04-09</a:t>
+              <a:t>2018-04-12</a:t>
             </a:fld>
             <a:endParaRPr lang="ko-KR" altLang="en-US"/>
           </a:p>
@@ -1567,7 +1567,7 @@
           <a:p>
             <a:fld id="{0C4D08D9-1D05-448C-A794-E4F42D1269C7}" type="datetimeFigureOut">
               <a:rPr lang="ko-KR" altLang="en-US" smtClean="0"/>
-              <a:t>2018-04-09</a:t>
+              <a:t>2018-04-12</a:t>
             </a:fld>
             <a:endParaRPr lang="ko-KR" altLang="en-US"/>
           </a:p>
@@ -1775,7 +1775,7 @@
           <a:p>
             <a:fld id="{0C4D08D9-1D05-448C-A794-E4F42D1269C7}" type="datetimeFigureOut">
               <a:rPr lang="ko-KR" altLang="en-US" smtClean="0"/>
-              <a:t>2018-04-09</a:t>
+              <a:t>2018-04-12</a:t>
             </a:fld>
             <a:endParaRPr lang="ko-KR" altLang="en-US"/>
           </a:p>
@@ -3265,7 +3265,7 @@
           <a:p>
             <a:fld id="{0C4D08D9-1D05-448C-A794-E4F42D1269C7}" type="datetimeFigureOut">
               <a:rPr lang="ko-KR" altLang="en-US" smtClean="0"/>
-              <a:t>2018-04-09</a:t>
+              <a:t>2018-04-12</a:t>
             </a:fld>
             <a:endParaRPr lang="ko-KR" altLang="en-US"/>
           </a:p>
@@ -3540,7 +3540,7 @@
           <a:p>
             <a:fld id="{0C4D08D9-1D05-448C-A794-E4F42D1269C7}" type="datetimeFigureOut">
               <a:rPr lang="ko-KR" altLang="en-US" smtClean="0"/>
-              <a:t>2018-04-09</a:t>
+              <a:t>2018-04-12</a:t>
             </a:fld>
             <a:endParaRPr lang="ko-KR" altLang="en-US"/>
           </a:p>
@@ -3805,7 +3805,7 @@
           <a:p>
             <a:fld id="{0C4D08D9-1D05-448C-A794-E4F42D1269C7}" type="datetimeFigureOut">
               <a:rPr lang="ko-KR" altLang="en-US" smtClean="0"/>
-              <a:t>2018-04-09</a:t>
+              <a:t>2018-04-12</a:t>
             </a:fld>
             <a:endParaRPr lang="ko-KR" altLang="en-US"/>
           </a:p>
@@ -4217,7 +4217,7 @@
           <a:p>
             <a:fld id="{0C4D08D9-1D05-448C-A794-E4F42D1269C7}" type="datetimeFigureOut">
               <a:rPr lang="ko-KR" altLang="en-US" smtClean="0"/>
-              <a:t>2018-04-09</a:t>
+              <a:t>2018-04-12</a:t>
             </a:fld>
             <a:endParaRPr lang="ko-KR" altLang="en-US"/>
           </a:p>
@@ -4358,7 +4358,7 @@
           <a:p>
             <a:fld id="{0C4D08D9-1D05-448C-A794-E4F42D1269C7}" type="datetimeFigureOut">
               <a:rPr lang="ko-KR" altLang="en-US" smtClean="0"/>
-              <a:t>2018-04-09</a:t>
+              <a:t>2018-04-12</a:t>
             </a:fld>
             <a:endParaRPr lang="ko-KR" altLang="en-US"/>
           </a:p>
@@ -4471,7 +4471,7 @@
           <a:p>
             <a:fld id="{0C4D08D9-1D05-448C-A794-E4F42D1269C7}" type="datetimeFigureOut">
               <a:rPr lang="ko-KR" altLang="en-US" smtClean="0"/>
-              <a:t>2018-04-09</a:t>
+              <a:t>2018-04-12</a:t>
             </a:fld>
             <a:endParaRPr lang="ko-KR" altLang="en-US"/>
           </a:p>
@@ -4782,7 +4782,7 @@
           <a:p>
             <a:fld id="{0C4D08D9-1D05-448C-A794-E4F42D1269C7}" type="datetimeFigureOut">
               <a:rPr lang="ko-KR" altLang="en-US" smtClean="0"/>
-              <a:t>2018-04-09</a:t>
+              <a:t>2018-04-12</a:t>
             </a:fld>
             <a:endParaRPr lang="ko-KR" altLang="en-US"/>
           </a:p>
@@ -5070,7 +5070,7 @@
           <a:p>
             <a:fld id="{0C4D08D9-1D05-448C-A794-E4F42D1269C7}" type="datetimeFigureOut">
               <a:rPr lang="ko-KR" altLang="en-US" smtClean="0"/>
-              <a:t>2018-04-09</a:t>
+              <a:t>2018-04-12</a:t>
             </a:fld>
             <a:endParaRPr lang="ko-KR" altLang="en-US"/>
           </a:p>
@@ -5347,7 +5347,7 @@
           <a:p>
             <a:fld id="{0C4D08D9-1D05-448C-A794-E4F42D1269C7}" type="datetimeFigureOut">
               <a:rPr lang="ko-KR" altLang="en-US" smtClean="0"/>
-              <a:t>2018-04-09</a:t>
+              <a:t>2018-04-12</a:t>
             </a:fld>
             <a:endParaRPr lang="ko-KR" altLang="en-US"/>
           </a:p>
@@ -6562,6 +6562,281 @@
             <a:endParaRPr lang="en-US" altLang="ko-KR" sz="1600" dirty="0">
               <a:latin typeface="Consolas" panose="020B0609020204030204" pitchFamily="49" charset="0"/>
             </a:endParaRPr>
+          </a:p>
+        </p:txBody>
+      </p:sp>
+      <p:sp>
+        <p:nvSpPr>
+          <p:cNvPr id="8" name="TextBox 7">
+            <a:extLst>
+              <a:ext uri="{FF2B5EF4-FFF2-40B4-BE49-F238E27FC236}">
+                <a16:creationId xmlns:a16="http://schemas.microsoft.com/office/drawing/2014/main" id="{2AB6540B-DF59-4DEA-9337-639E0B378D01}"/>
+              </a:ext>
+            </a:extLst>
+          </p:cNvPr>
+          <p:cNvSpPr txBox="1"/>
+          <p:nvPr/>
+        </p:nvSpPr>
+        <p:spPr>
+          <a:xfrm>
+            <a:off x="6233865" y="3284542"/>
+            <a:ext cx="5666035" cy="1077218"/>
+          </a:xfrm>
+          <a:prstGeom prst="rect">
+            <a:avLst/>
+          </a:prstGeom>
+          <a:solidFill>
+            <a:srgbClr val="EADCF4"/>
+          </a:solidFill>
+        </p:spPr>
+        <p:txBody>
+          <a:bodyPr wrap="square" rtlCol="0">
+            <a:spAutoFit/>
+          </a:bodyPr>
+          <a:lstStyle/>
+          <a:p>
+            <a:r>
+              <a:rPr lang="en-US" altLang="ko-KR" sz="1600" b="1" dirty="0">
+                <a:latin typeface="Consolas" panose="020B0609020204030204" pitchFamily="49" charset="0"/>
+              </a:rPr>
+              <a:t>for</a:t>
+            </a:r>
+            <a:r>
+              <a:rPr lang="ko-KR" altLang="en-US" sz="1600" dirty="0">
+                <a:latin typeface="Consolas" panose="020B0609020204030204" pitchFamily="49" charset="0"/>
+              </a:rPr>
+              <a:t> 변수 </a:t>
+            </a:r>
+            <a:r>
+              <a:rPr lang="en-US" altLang="ko-KR" sz="1600" b="1" dirty="0">
+                <a:latin typeface="Consolas" panose="020B0609020204030204" pitchFamily="49" charset="0"/>
+              </a:rPr>
+              <a:t>in</a:t>
+            </a:r>
+            <a:r>
+              <a:rPr lang="ko-KR" altLang="en-US" sz="1600" dirty="0">
+                <a:latin typeface="Consolas" panose="020B0609020204030204" pitchFamily="49" charset="0"/>
+              </a:rPr>
+              <a:t> </a:t>
+            </a:r>
+            <a:r>
+              <a:rPr lang="en-US" altLang="ko-KR" sz="1600" dirty="0">
+                <a:latin typeface="Consolas" panose="020B0609020204030204" pitchFamily="49" charset="0"/>
+              </a:rPr>
+              <a:t>range(first, </a:t>
+            </a:r>
+            <a:r>
+              <a:rPr lang="en-US" altLang="ko-KR" sz="1600" dirty="0" err="1">
+                <a:latin typeface="Consolas" panose="020B0609020204030204" pitchFamily="49" charset="0"/>
+              </a:rPr>
+              <a:t>dest</a:t>
+            </a:r>
+            <a:r>
+              <a:rPr lang="en-US" altLang="ko-KR" sz="1600" dirty="0">
+                <a:latin typeface="Consolas" panose="020B0609020204030204" pitchFamily="49" charset="0"/>
+              </a:rPr>
+              <a:t>, pattern)</a:t>
+            </a:r>
+          </a:p>
+          <a:p>
+            <a:r>
+              <a:rPr lang="en-US" altLang="ko-KR" sz="1600" dirty="0">
+                <a:latin typeface="Consolas" panose="020B0609020204030204" pitchFamily="49" charset="0"/>
+              </a:rPr>
+              <a:t>    </a:t>
+            </a:r>
+            <a:r>
+              <a:rPr lang="ko-KR" altLang="en-US" sz="1600" dirty="0">
+                <a:latin typeface="Consolas" panose="020B0609020204030204" pitchFamily="49" charset="0"/>
+              </a:rPr>
+              <a:t>수행할 문장</a:t>
+            </a:r>
+            <a:r>
+              <a:rPr lang="en-US" altLang="ko-KR" sz="1600" dirty="0">
+                <a:latin typeface="Consolas" panose="020B0609020204030204" pitchFamily="49" charset="0"/>
+              </a:rPr>
+              <a:t>1</a:t>
+            </a:r>
+          </a:p>
+          <a:p>
+            <a:r>
+              <a:rPr lang="en-US" altLang="ko-KR" sz="1600" dirty="0">
+                <a:latin typeface="Consolas" panose="020B0609020204030204" pitchFamily="49" charset="0"/>
+              </a:rPr>
+              <a:t>    </a:t>
+            </a:r>
+            <a:r>
+              <a:rPr lang="ko-KR" altLang="en-US" sz="1600" dirty="0">
+                <a:latin typeface="Consolas" panose="020B0609020204030204" pitchFamily="49" charset="0"/>
+              </a:rPr>
+              <a:t>수행할 문장</a:t>
+            </a:r>
+            <a:r>
+              <a:rPr lang="en-US" altLang="ko-KR" sz="1600" dirty="0">
+                <a:latin typeface="Consolas" panose="020B0609020204030204" pitchFamily="49" charset="0"/>
+              </a:rPr>
+              <a:t>2</a:t>
+            </a:r>
+          </a:p>
+          <a:p>
+            <a:r>
+              <a:rPr lang="en-US" altLang="ko-KR" sz="1600" dirty="0">
+                <a:latin typeface="Consolas" panose="020B0609020204030204" pitchFamily="49" charset="0"/>
+              </a:rPr>
+              <a:t>...</a:t>
+            </a:r>
+          </a:p>
+        </p:txBody>
+      </p:sp>
+      <p:sp>
+        <p:nvSpPr>
+          <p:cNvPr id="3" name="TextBox 2">
+            <a:extLst>
+              <a:ext uri="{FF2B5EF4-FFF2-40B4-BE49-F238E27FC236}">
+                <a16:creationId xmlns:a16="http://schemas.microsoft.com/office/drawing/2014/main" id="{CD1E3E7A-BD20-4DFB-B7F0-949CCE80055F}"/>
+              </a:ext>
+            </a:extLst>
+          </p:cNvPr>
+          <p:cNvSpPr txBox="1"/>
+          <p:nvPr/>
+        </p:nvSpPr>
+        <p:spPr>
+          <a:xfrm>
+            <a:off x="6192777" y="4608837"/>
+            <a:ext cx="5656729" cy="1754326"/>
+          </a:xfrm>
+          <a:prstGeom prst="rect">
+            <a:avLst/>
+          </a:prstGeom>
+          <a:noFill/>
+        </p:spPr>
+        <p:txBody>
+          <a:bodyPr wrap="square" rtlCol="0">
+            <a:spAutoFit/>
+          </a:bodyPr>
+          <a:lstStyle/>
+          <a:p>
+            <a:pPr marL="285750" indent="-285750">
+              <a:buFont typeface="Arial" panose="020B0604020202020204" pitchFamily="34" charset="0"/>
+              <a:buChar char="•"/>
+            </a:pPr>
+            <a:r>
+              <a:rPr lang="en-US" altLang="ko-KR" dirty="0">
+                <a:latin typeface="Consolas" panose="020B0609020204030204" pitchFamily="49" charset="0"/>
+              </a:rPr>
+              <a:t>range(first, </a:t>
+            </a:r>
+            <a:r>
+              <a:rPr lang="en-US" altLang="ko-KR" dirty="0" err="1">
+                <a:latin typeface="Consolas" panose="020B0609020204030204" pitchFamily="49" charset="0"/>
+              </a:rPr>
+              <a:t>dest</a:t>
+            </a:r>
+            <a:r>
+              <a:rPr lang="en-US" altLang="ko-KR" dirty="0">
+                <a:latin typeface="Consolas" panose="020B0609020204030204" pitchFamily="49" charset="0"/>
+              </a:rPr>
+              <a:t>, pattern=1):</a:t>
+            </a:r>
+          </a:p>
+          <a:p>
+            <a:pPr marL="800100" lvl="1" indent="-342900">
+              <a:buFont typeface="+mj-lt"/>
+              <a:buAutoNum type="arabicPeriod"/>
+            </a:pPr>
+            <a:r>
+              <a:rPr lang="ko-KR" altLang="en-US" dirty="0">
+                <a:latin typeface="Consolas" panose="020B0609020204030204" pitchFamily="49" charset="0"/>
+              </a:rPr>
+              <a:t>변수에 초기값 </a:t>
+            </a:r>
+            <a:r>
+              <a:rPr lang="en-US" altLang="ko-KR" dirty="0">
+                <a:latin typeface="Consolas" panose="020B0609020204030204" pitchFamily="49" charset="0"/>
+              </a:rPr>
+              <a:t>first</a:t>
+            </a:r>
+            <a:r>
+              <a:rPr lang="ko-KR" altLang="en-US" dirty="0">
+                <a:latin typeface="Consolas" panose="020B0609020204030204" pitchFamily="49" charset="0"/>
+              </a:rPr>
+              <a:t>를 대입한 후 </a:t>
+            </a:r>
+            <a:r>
+              <a:rPr lang="en-US" altLang="ko-KR" dirty="0" err="1">
+                <a:latin typeface="Consolas" panose="020B0609020204030204" pitchFamily="49" charset="0"/>
+              </a:rPr>
+              <a:t>dest</a:t>
+            </a:r>
+            <a:r>
+              <a:rPr lang="ko-KR" altLang="en-US" dirty="0">
+                <a:latin typeface="Consolas" panose="020B0609020204030204" pitchFamily="49" charset="0"/>
+              </a:rPr>
+              <a:t>값에 도달할 때까지 </a:t>
+            </a:r>
+            <a:r>
+              <a:rPr lang="en-US" altLang="ko-KR" dirty="0">
+                <a:latin typeface="Consolas" panose="020B0609020204030204" pitchFamily="49" charset="0"/>
+              </a:rPr>
+              <a:t>pattern</a:t>
+            </a:r>
+            <a:r>
+              <a:rPr lang="ko-KR" altLang="en-US" dirty="0">
+                <a:latin typeface="Consolas" panose="020B0609020204030204" pitchFamily="49" charset="0"/>
+              </a:rPr>
+              <a:t>만큼 더함</a:t>
+            </a:r>
+            <a:endParaRPr lang="en-US" altLang="ko-KR" dirty="0">
+              <a:latin typeface="Consolas" panose="020B0609020204030204" pitchFamily="49" charset="0"/>
+            </a:endParaRPr>
+          </a:p>
+          <a:p>
+            <a:pPr marL="800100" lvl="1" indent="-342900">
+              <a:buFont typeface="+mj-lt"/>
+              <a:buAutoNum type="arabicPeriod"/>
+            </a:pPr>
+            <a:r>
+              <a:rPr lang="en-US" altLang="ko-KR" dirty="0">
+                <a:latin typeface="Consolas" panose="020B0609020204030204" pitchFamily="49" charset="0"/>
+              </a:rPr>
+              <a:t>pattern</a:t>
+            </a:r>
+            <a:r>
+              <a:rPr lang="ko-KR" altLang="en-US" dirty="0">
+                <a:latin typeface="Consolas" panose="020B0609020204030204" pitchFamily="49" charset="0"/>
+              </a:rPr>
+              <a:t>의 기본값은 </a:t>
+            </a:r>
+            <a:r>
+              <a:rPr lang="en-US" altLang="ko-KR" dirty="0">
+                <a:latin typeface="Consolas" panose="020B0609020204030204" pitchFamily="49" charset="0"/>
+              </a:rPr>
+              <a:t>1</a:t>
+            </a:r>
+            <a:r>
+              <a:rPr lang="ko-KR" altLang="en-US" dirty="0">
+                <a:latin typeface="Consolas" panose="020B0609020204030204" pitchFamily="49" charset="0"/>
+              </a:rPr>
+              <a:t>이며</a:t>
+            </a:r>
+            <a:r>
+              <a:rPr lang="en-US" altLang="ko-KR" dirty="0">
+                <a:latin typeface="Consolas" panose="020B0609020204030204" pitchFamily="49" charset="0"/>
+              </a:rPr>
+              <a:t>, </a:t>
+            </a:r>
+            <a:r>
+              <a:rPr lang="ko-KR" altLang="en-US" dirty="0">
+                <a:latin typeface="Consolas" panose="020B0609020204030204" pitchFamily="49" charset="0"/>
+              </a:rPr>
+              <a:t>인자 값을 지정하여 단위를 정할 수 있음</a:t>
+            </a:r>
+            <a:endParaRPr lang="en-US" altLang="ko-KR" dirty="0">
+              <a:latin typeface="Consolas" panose="020B0609020204030204" pitchFamily="49" charset="0"/>
+            </a:endParaRPr>
+          </a:p>
+          <a:p>
+            <a:endParaRPr lang="ko-KR" altLang="en-US" dirty="0"/>
           </a:p>
         </p:txBody>
       </p:sp>
